--- a/Presentation.pptx
+++ b/Presentation.pptx
@@ -3890,7 +3890,7 @@
       </p:pic>
       <p:pic>
         <p:nvPicPr>
-          <p:cNvPr id="136" name="Screen Shot 2018-02-28 at 4.21.43 PM.png" descr="Screen Shot 2018-02-28 at 4.21.43 PM.png"/>
+          <p:cNvPr id="136" name="Screen Shot 2018-02-28 at 5.08.24 PM.png" descr="Screen Shot 2018-02-28 at 5.08.24 PM.png"/>
           <p:cNvPicPr>
             <a:picLocks noChangeAspect="1"/>
           </p:cNvPicPr>
@@ -3906,8 +3906,8 @@
         </p:blipFill>
         <p:spPr>
           <a:xfrm>
-            <a:off x="6476553" y="5386189"/>
-            <a:ext cx="6286501" cy="4191001"/>
+            <a:off x="6527353" y="5398889"/>
+            <a:ext cx="6032501" cy="4191001"/>
           </a:xfrm>
           <a:prstGeom prst="rect">
             <a:avLst/>
